--- a/healthmate presentation.pptx
+++ b/healthmate presentation.pptx
@@ -228,7 +228,7 @@
           <a:p>
             <a:fld id="{B43582BA-7EFE-407E-89C4-0B93D6902EB6}" type="datetimeFigureOut">
               <a:rPr lang="en-IN" smtClean="0"/>
-              <a:t>26-05-2025</a:t>
+              <a:t>27-05-2025</a:t>
             </a:fld>
             <a:endParaRPr lang="en-IN"/>
           </a:p>
@@ -406,7 +406,7 @@
           <a:p>
             <a:fld id="{4B593DB3-DD50-4BCB-808F-056A97D70943}" type="datetimeFigureOut">
               <a:rPr lang="en-IN" smtClean="0"/>
-              <a:t>26-05-2025</a:t>
+              <a:t>27-05-2025</a:t>
             </a:fld>
             <a:endParaRPr lang="en-IN"/>
           </a:p>
@@ -824,7 +824,7 @@
           <a:p>
             <a:fld id="{EFD6C7B9-7CC0-4911-9AF6-AED46E45886F}" type="datetimeFigureOut">
               <a:rPr lang="en-IN" smtClean="0"/>
-              <a:t>26-05-2025</a:t>
+              <a:t>27-05-2025</a:t>
             </a:fld>
             <a:endParaRPr lang="en-IN"/>
           </a:p>
@@ -1024,7 +1024,7 @@
           <a:p>
             <a:fld id="{EFD6C7B9-7CC0-4911-9AF6-AED46E45886F}" type="datetimeFigureOut">
               <a:rPr lang="en-IN" smtClean="0"/>
-              <a:t>26-05-2025</a:t>
+              <a:t>27-05-2025</a:t>
             </a:fld>
             <a:endParaRPr lang="en-IN"/>
           </a:p>
@@ -1234,7 +1234,7 @@
           <a:p>
             <a:fld id="{EFD6C7B9-7CC0-4911-9AF6-AED46E45886F}" type="datetimeFigureOut">
               <a:rPr lang="en-IN" smtClean="0"/>
-              <a:t>26-05-2025</a:t>
+              <a:t>27-05-2025</a:t>
             </a:fld>
             <a:endParaRPr lang="en-IN"/>
           </a:p>
@@ -1434,7 +1434,7 @@
           <a:p>
             <a:fld id="{EFD6C7B9-7CC0-4911-9AF6-AED46E45886F}" type="datetimeFigureOut">
               <a:rPr lang="en-IN" smtClean="0"/>
-              <a:t>26-05-2025</a:t>
+              <a:t>27-05-2025</a:t>
             </a:fld>
             <a:endParaRPr lang="en-IN"/>
           </a:p>
@@ -1710,7 +1710,7 @@
           <a:p>
             <a:fld id="{EFD6C7B9-7CC0-4911-9AF6-AED46E45886F}" type="datetimeFigureOut">
               <a:rPr lang="en-IN" smtClean="0"/>
-              <a:t>26-05-2025</a:t>
+              <a:t>27-05-2025</a:t>
             </a:fld>
             <a:endParaRPr lang="en-IN"/>
           </a:p>
@@ -1978,7 +1978,7 @@
           <a:p>
             <a:fld id="{EFD6C7B9-7CC0-4911-9AF6-AED46E45886F}" type="datetimeFigureOut">
               <a:rPr lang="en-IN" smtClean="0"/>
-              <a:t>26-05-2025</a:t>
+              <a:t>27-05-2025</a:t>
             </a:fld>
             <a:endParaRPr lang="en-IN"/>
           </a:p>
@@ -2393,7 +2393,7 @@
           <a:p>
             <a:fld id="{EFD6C7B9-7CC0-4911-9AF6-AED46E45886F}" type="datetimeFigureOut">
               <a:rPr lang="en-IN" smtClean="0"/>
-              <a:t>26-05-2025</a:t>
+              <a:t>27-05-2025</a:t>
             </a:fld>
             <a:endParaRPr lang="en-IN"/>
           </a:p>
@@ -2535,7 +2535,7 @@
           <a:p>
             <a:fld id="{EFD6C7B9-7CC0-4911-9AF6-AED46E45886F}" type="datetimeFigureOut">
               <a:rPr lang="en-IN" smtClean="0"/>
-              <a:t>26-05-2025</a:t>
+              <a:t>27-05-2025</a:t>
             </a:fld>
             <a:endParaRPr lang="en-IN"/>
           </a:p>
@@ -2648,7 +2648,7 @@
           <a:p>
             <a:fld id="{EFD6C7B9-7CC0-4911-9AF6-AED46E45886F}" type="datetimeFigureOut">
               <a:rPr lang="en-IN" smtClean="0"/>
-              <a:t>26-05-2025</a:t>
+              <a:t>27-05-2025</a:t>
             </a:fld>
             <a:endParaRPr lang="en-IN"/>
           </a:p>
@@ -2961,7 +2961,7 @@
           <a:p>
             <a:fld id="{EFD6C7B9-7CC0-4911-9AF6-AED46E45886F}" type="datetimeFigureOut">
               <a:rPr lang="en-IN" smtClean="0"/>
-              <a:t>26-05-2025</a:t>
+              <a:t>27-05-2025</a:t>
             </a:fld>
             <a:endParaRPr lang="en-IN"/>
           </a:p>
@@ -3250,7 +3250,7 @@
           <a:p>
             <a:fld id="{EFD6C7B9-7CC0-4911-9AF6-AED46E45886F}" type="datetimeFigureOut">
               <a:rPr lang="en-IN" smtClean="0"/>
-              <a:t>26-05-2025</a:t>
+              <a:t>27-05-2025</a:t>
             </a:fld>
             <a:endParaRPr lang="en-IN"/>
           </a:p>
@@ -3493,7 +3493,7 @@
           <a:p>
             <a:fld id="{EFD6C7B9-7CC0-4911-9AF6-AED46E45886F}" type="datetimeFigureOut">
               <a:rPr lang="en-IN" smtClean="0"/>
-              <a:t>26-05-2025</a:t>
+              <a:t>27-05-2025</a:t>
             </a:fld>
             <a:endParaRPr lang="en-IN"/>
           </a:p>
@@ -3978,16 +3978,15 @@
           </a:p>
           <a:p>
             <a:r>
-              <a:rPr lang="en-IN" sz="3600" b="1" dirty="0" smtClean="0">
+              <a:rPr lang="en-IN" sz="3600" b="1" dirty="0">
                 <a:latin typeface="Trebuchet MS" panose="020B0603020202020204" pitchFamily="34" charset="0"/>
               </a:rPr>
               <a:t>HEALTHMATE</a:t>
             </a:r>
             <a:r>
-              <a:rPr lang="en-IN" sz="3600" b="1" dirty="0" smtClean="0"/>
+              <a:rPr lang="en-IN" sz="3600" b="1" dirty="0"/>
               <a:t> </a:t>
             </a:r>
-            <a:endParaRPr lang="en-IN" sz="3600" b="1" dirty="0"/>
           </a:p>
           <a:p>
             <a:endParaRPr lang="en-IN" sz="3200" dirty="0"/>
@@ -4015,26 +4014,23 @@
           </a:p>
           <a:p>
             <a:r>
-              <a:rPr lang="en-IN" dirty="0" smtClean="0">
+              <a:rPr lang="en-IN" dirty="0">
                 <a:latin typeface="Trebuchet MS" panose="020B0603020202020204" pitchFamily="34" charset="0"/>
               </a:rPr>
               <a:t>Mrs. </a:t>
             </a:r>
             <a:r>
-              <a:rPr lang="en-IN" dirty="0" err="1" smtClean="0">
+              <a:rPr lang="en-IN" dirty="0" err="1">
                 <a:latin typeface="Trebuchet MS" panose="020B0603020202020204" pitchFamily="34" charset="0"/>
               </a:rPr>
               <a:t>Pallavi</a:t>
             </a:r>
             <a:r>
-              <a:rPr lang="en-IN" dirty="0" smtClean="0">
+              <a:rPr lang="en-IN" dirty="0">
                 <a:latin typeface="Trebuchet MS" panose="020B0603020202020204" pitchFamily="34" charset="0"/>
               </a:rPr>
               <a:t> Shukla </a:t>
             </a:r>
-            <a:endParaRPr lang="en-IN" dirty="0">
-              <a:latin typeface="Trebuchet MS" panose="020B0603020202020204" pitchFamily="34" charset="0"/>
-            </a:endParaRPr>
           </a:p>
         </p:txBody>
       </p:sp>
@@ -4197,73 +4193,64 @@
           <a:p>
             <a:pPr algn="just"/>
             <a:r>
-              <a:rPr lang="en-US" sz="2400" dirty="0" err="1" smtClean="0">
+              <a:rPr lang="en-US" sz="2400" dirty="0" err="1">
                 <a:latin typeface="Trebuchet MS" panose="020B0603020202020204" pitchFamily="34" charset="0"/>
               </a:rPr>
               <a:t>Aman</a:t>
             </a:r>
             <a:r>
-              <a:rPr lang="en-US" sz="2400" dirty="0" smtClean="0">
+              <a:rPr lang="en-US" sz="2400" dirty="0">
                 <a:latin typeface="Trebuchet MS" panose="020B0603020202020204" pitchFamily="34" charset="0"/>
               </a:rPr>
               <a:t> </a:t>
             </a:r>
             <a:r>
-              <a:rPr lang="en-US" sz="2400" dirty="0" err="1" smtClean="0">
+              <a:rPr lang="en-US" sz="2400" dirty="0" err="1">
                 <a:latin typeface="Trebuchet MS" panose="020B0603020202020204" pitchFamily="34" charset="0"/>
               </a:rPr>
               <a:t>Pratap</a:t>
             </a:r>
             <a:r>
-              <a:rPr lang="en-US" sz="2400" dirty="0" smtClean="0">
+              <a:rPr lang="en-US" sz="2400" dirty="0">
                 <a:latin typeface="Trebuchet MS" panose="020B0603020202020204" pitchFamily="34" charset="0"/>
               </a:rPr>
               <a:t> Singh</a:t>
             </a:r>
-            <a:endParaRPr lang="en-US" sz="2400" dirty="0">
-              <a:latin typeface="Trebuchet MS" panose="020B0603020202020204" pitchFamily="34" charset="0"/>
-            </a:endParaRPr>
           </a:p>
           <a:p>
             <a:pPr algn="just"/>
             <a:r>
-              <a:rPr lang="en-US" sz="2400" dirty="0" err="1" smtClean="0">
+              <a:rPr lang="en-US" sz="2400" dirty="0" err="1">
                 <a:latin typeface="Trebuchet MS" panose="020B0603020202020204" pitchFamily="34" charset="0"/>
               </a:rPr>
               <a:t>Aniket</a:t>
             </a:r>
             <a:r>
-              <a:rPr lang="en-US" sz="2400" dirty="0" smtClean="0">
+              <a:rPr lang="en-US" sz="2400" dirty="0">
                 <a:latin typeface="Trebuchet MS" panose="020B0603020202020204" pitchFamily="34" charset="0"/>
               </a:rPr>
               <a:t> Pandey</a:t>
             </a:r>
-            <a:endParaRPr lang="en-US" sz="2400" dirty="0">
-              <a:latin typeface="Trebuchet MS" panose="020B0603020202020204" pitchFamily="34" charset="0"/>
-            </a:endParaRPr>
           </a:p>
           <a:p>
             <a:pPr algn="just"/>
             <a:r>
-              <a:rPr lang="en-US" sz="2400" dirty="0" smtClean="0">
+              <a:rPr lang="en-US" sz="2400" dirty="0">
                 <a:latin typeface="Trebuchet MS" panose="020B0603020202020204" pitchFamily="34" charset="0"/>
               </a:rPr>
               <a:t>Harsh Srivastava</a:t>
             </a:r>
-            <a:endParaRPr lang="en-US" sz="2400" dirty="0">
-              <a:latin typeface="Trebuchet MS" panose="020B0603020202020204" pitchFamily="34" charset="0"/>
-            </a:endParaRPr>
           </a:p>
           <a:p>
             <a:pPr algn="just"/>
             <a:r>
-              <a:rPr lang="en-US" sz="2400" dirty="0" err="1" smtClean="0">
+              <a:rPr lang="en-US" sz="2400" dirty="0" err="1">
                 <a:latin typeface="Trebuchet MS" panose="020B0603020202020204" pitchFamily="34" charset="0"/>
               </a:rPr>
               <a:t>Shaurya</a:t>
             </a:r>
             <a:r>
-              <a:rPr lang="en-US" sz="2400" dirty="0" smtClean="0">
+              <a:rPr lang="en-US" sz="2400" dirty="0">
                 <a:latin typeface="Trebuchet MS" panose="020B0603020202020204" pitchFamily="34" charset="0"/>
               </a:rPr>
               <a:t> Mishra</a:t>
@@ -4319,18 +4306,15 @@
           <a:lstStyle/>
           <a:p>
             <a:r>
-              <a:rPr lang="en-US" sz="2400" dirty="0" smtClean="0">
+              <a:rPr lang="en-US" sz="2400" dirty="0">
                 <a:latin typeface="Trebuchet MS" panose="020B0603020202020204" pitchFamily="34" charset="0"/>
               </a:rPr>
               <a:t>2100101530013</a:t>
             </a:r>
-            <a:endParaRPr lang="en-US" sz="2400" dirty="0">
-              <a:latin typeface="Trebuchet MS" panose="020B0603020202020204" pitchFamily="34" charset="0"/>
-            </a:endParaRPr>
-          </a:p>
-          <a:p>
-            <a:r>
-              <a:rPr lang="en-US" sz="2400" dirty="0" smtClean="0">
+          </a:p>
+          <a:p>
+            <a:r>
+              <a:rPr lang="en-US" sz="2400" dirty="0">
                 <a:latin typeface="Trebuchet MS" panose="020B0603020202020204" pitchFamily="34" charset="0"/>
               </a:rPr>
               <a:t>2100101530017</a:t>
@@ -4338,18 +4322,15 @@
           </a:p>
           <a:p>
             <a:r>
-              <a:rPr lang="en-US" sz="2400" dirty="0" smtClean="0">
+              <a:rPr lang="en-US" sz="2400" dirty="0">
                 <a:latin typeface="Trebuchet MS" panose="020B0603020202020204" pitchFamily="34" charset="0"/>
               </a:rPr>
               <a:t>2100101530031</a:t>
             </a:r>
-            <a:endParaRPr lang="en-US" sz="2400" dirty="0">
-              <a:latin typeface="Trebuchet MS" panose="020B0603020202020204" pitchFamily="34" charset="0"/>
-            </a:endParaRPr>
-          </a:p>
-          <a:p>
-            <a:r>
-              <a:rPr lang="en-US" sz="2400" dirty="0" smtClean="0">
+          </a:p>
+          <a:p>
+            <a:r>
+              <a:rPr lang="en-US" sz="2400" dirty="0">
                 <a:latin typeface="Trebuchet MS" panose="020B0603020202020204" pitchFamily="34" charset="0"/>
               </a:rPr>
               <a:t>2100101530050</a:t>
@@ -4483,13 +4464,7 @@
               <a:rPr lang="en-US" dirty="0">
                 <a:latin typeface="Trebuchet MS" panose="020B0603020202020204" pitchFamily="34" charset="0"/>
               </a:rPr>
-              <a:t>Data Flow </a:t>
-            </a:r>
-            <a:r>
-              <a:rPr lang="en-US" dirty="0" smtClean="0">
-                <a:latin typeface="Trebuchet MS" panose="020B0603020202020204" pitchFamily="34" charset="0"/>
-              </a:rPr>
-              <a:t>Diagram (0)</a:t>
+              <a:t>Data Flow Diagram (0)</a:t>
             </a:r>
             <a:endParaRPr lang="en-IN" dirty="0">
               <a:latin typeface="Trebuchet MS" panose="020B0603020202020204" pitchFamily="34" charset="0"/>
@@ -4697,19 +4672,18 @@
           <a:lstStyle/>
           <a:p>
             <a:r>
-              <a:rPr lang="en-IN" dirty="0" smtClean="0"/>
+              <a:rPr lang="en-IN" dirty="0"/>
               <a:t>Data Flow Diagram - 1</a:t>
             </a:r>
-            <a:endParaRPr lang="en-IN" dirty="0"/>
           </a:p>
         </p:txBody>
       </p:sp>
       <p:pic>
         <p:nvPicPr>
-          <p:cNvPr id="4" name="Content Placeholder 3">
-            <a:extLst>
-              <a:ext uri="{FF2B5EF4-FFF2-40B4-BE49-F238E27FC236}">
-                <a16:creationId xmlns:a16="http://schemas.microsoft.com/office/drawing/2014/main" id="{0887D53C-1EF0-6074-5F04-7AE4D47E4EE0}"/>
+          <p:cNvPr id="7" name="Content Placeholder 6">
+            <a:extLst>
+              <a:ext uri="{FF2B5EF4-FFF2-40B4-BE49-F238E27FC236}">
+                <a16:creationId xmlns:a16="http://schemas.microsoft.com/office/drawing/2014/main" id="{F7CF74BA-8353-3520-1DF3-EDB5760C0E8E}"/>
               </a:ext>
             </a:extLst>
           </p:cNvPr>
@@ -4734,12 +4708,9 @@
         </p:blipFill>
         <p:spPr>
           <a:xfrm>
-            <a:off x="4004361" y="1589903"/>
-            <a:ext cx="5007833" cy="4975654"/>
-          </a:xfrm>
-          <a:prstGeom prst="rect">
-            <a:avLst/>
-          </a:prstGeom>
+            <a:off x="4209212" y="1825625"/>
+            <a:ext cx="3773575" cy="4351338"/>
+          </a:xfrm>
         </p:spPr>
       </p:pic>
     </p:spTree>
@@ -4862,7 +4833,7 @@
           <a:p>
             <a:pPr algn="ctr"/>
             <a:r>
-              <a:rPr lang="en-US" dirty="0" smtClean="0">
+              <a:rPr lang="en-US" dirty="0">
                 <a:latin typeface="Trebuchet MS" panose="020B0603020202020204" pitchFamily="34" charset="0"/>
               </a:rPr>
               <a:t>SNAPSHOTS OF THE APP</a:t>
@@ -5030,7 +5001,13 @@
       </p:sp>
       <p:pic>
         <p:nvPicPr>
-          <p:cNvPr id="6" name="Content Placeholder 5"/>
+          <p:cNvPr id="19" name="Content Placeholder 18">
+            <a:extLst>
+              <a:ext uri="{FF2B5EF4-FFF2-40B4-BE49-F238E27FC236}">
+                <a16:creationId xmlns:a16="http://schemas.microsoft.com/office/drawing/2014/main" id="{88B1BB7F-17F6-4380-0128-D906931B9118}"/>
+              </a:ext>
+            </a:extLst>
+          </p:cNvPr>
           <p:cNvPicPr>
             <a:picLocks noGrp="1" noChangeAspect="1"/>
           </p:cNvPicPr>
@@ -5039,7 +5016,7 @@
           </p:nvPr>
         </p:nvPicPr>
         <p:blipFill>
-          <a:blip r:embed="rId4" cstate="hqprint">
+          <a:blip r:embed="rId4">
             <a:extLst>
               <a:ext uri="{28A0092B-C50C-407E-A947-70E740481C1C}">
                 <a14:useLocalDpi xmlns:a14="http://schemas.microsoft.com/office/drawing/2010/main" val="0"/>
@@ -5052,21 +5029,27 @@
         </p:blipFill>
         <p:spPr>
           <a:xfrm>
-            <a:off x="620711" y="1978842"/>
-            <a:ext cx="2155440" cy="4351338"/>
+            <a:off x="838200" y="1893677"/>
+            <a:ext cx="1958102" cy="4351338"/>
           </a:xfrm>
         </p:spPr>
       </p:pic>
       <p:pic>
         <p:nvPicPr>
-          <p:cNvPr id="7" name="Picture 6"/>
+          <p:cNvPr id="24" name="Picture 23">
+            <a:extLst>
+              <a:ext uri="{FF2B5EF4-FFF2-40B4-BE49-F238E27FC236}">
+                <a16:creationId xmlns:a16="http://schemas.microsoft.com/office/drawing/2014/main" id="{21404D8C-84E4-66E6-7E37-48B58286788D}"/>
+              </a:ext>
+            </a:extLst>
+          </p:cNvPr>
           <p:cNvPicPr>
             <a:picLocks noChangeAspect="1"/>
           </p:cNvPicPr>
           <p:nvPr/>
         </p:nvPicPr>
         <p:blipFill>
-          <a:blip r:embed="rId5" cstate="print">
+          <a:blip r:embed="rId5">
             <a:extLst>
               <a:ext uri="{28A0092B-C50C-407E-A947-70E740481C1C}">
                 <a14:useLocalDpi xmlns:a14="http://schemas.microsoft.com/office/drawing/2010/main" val="0"/>
@@ -5079,8 +5062,8 @@
         </p:blipFill>
         <p:spPr>
           <a:xfrm>
-            <a:off x="4045012" y="1931175"/>
-            <a:ext cx="3511893" cy="4399005"/>
+            <a:off x="5034052" y="1893677"/>
+            <a:ext cx="2123895" cy="4719767"/>
           </a:xfrm>
           <a:prstGeom prst="rect">
             <a:avLst/>
@@ -5089,14 +5072,20 @@
       </p:pic>
       <p:pic>
         <p:nvPicPr>
-          <p:cNvPr id="8" name="Picture 7"/>
+          <p:cNvPr id="26" name="Picture 25">
+            <a:extLst>
+              <a:ext uri="{FF2B5EF4-FFF2-40B4-BE49-F238E27FC236}">
+                <a16:creationId xmlns:a16="http://schemas.microsoft.com/office/drawing/2014/main" id="{913DAABC-6737-49E0-AA10-AD6974BAD515}"/>
+              </a:ext>
+            </a:extLst>
+          </p:cNvPr>
           <p:cNvPicPr>
             <a:picLocks noChangeAspect="1"/>
           </p:cNvPicPr>
           <p:nvPr/>
         </p:nvPicPr>
         <p:blipFill>
-          <a:blip r:embed="rId6" cstate="print">
+          <a:blip r:embed="rId6">
             <a:extLst>
               <a:ext uri="{28A0092B-C50C-407E-A947-70E740481C1C}">
                 <a14:useLocalDpi xmlns:a14="http://schemas.microsoft.com/office/drawing/2010/main" val="0"/>
@@ -5109,8 +5098,8 @@
         </p:blipFill>
         <p:spPr>
           <a:xfrm>
-            <a:off x="8647155" y="1778775"/>
-            <a:ext cx="3086100" cy="4551405"/>
+            <a:off x="9168620" y="1893677"/>
+            <a:ext cx="2010817" cy="4468483"/>
           </a:xfrm>
           <a:prstGeom prst="rect">
             <a:avLst/>
@@ -5276,51 +5265,51 @@
           </a:bodyPr>
           <a:lstStyle/>
           <a:p>
-            <a:endParaRPr lang="en-US" sz="2400" dirty="0" smtClean="0">
+            <a:endParaRPr lang="en-US" sz="2400" dirty="0">
               <a:latin typeface="Trebuchet MS" panose="020B0603020202020204" pitchFamily="34" charset="0"/>
             </a:endParaRPr>
           </a:p>
           <a:p>
             <a:r>
-              <a:rPr lang="en-US" sz="2400" dirty="0" smtClean="0">
+              <a:rPr lang="en-US" sz="2400" dirty="0">
                 <a:latin typeface="Trebuchet MS" panose="020B0603020202020204" pitchFamily="34" charset="0"/>
               </a:rPr>
               <a:t>Enhanced AI Model for Food Recognition -Improve accuracy in identifying and analyzing diverse meals from different cuisines. Integrate machine learning to understand regional and cultural food variations.</a:t>
             </a:r>
           </a:p>
           <a:p>
-            <a:endParaRPr lang="en-US" sz="2400" dirty="0" smtClean="0">
+            <a:endParaRPr lang="en-US" sz="2400" dirty="0">
               <a:latin typeface="Trebuchet MS" panose="020B0603020202020204" pitchFamily="34" charset="0"/>
             </a:endParaRPr>
           </a:p>
           <a:p>
             <a:r>
-              <a:rPr lang="en-US" sz="2400" dirty="0" smtClean="0">
+              <a:rPr lang="en-US" sz="2400" dirty="0">
                 <a:latin typeface="Trebuchet MS" panose="020B0603020202020204" pitchFamily="34" charset="0"/>
               </a:rPr>
               <a:t>Real-Time Nutritional Feedback- Implement a feature for real-time nutrient tracking while eating. Provide live guidance for balancing meals with personalized health goals.</a:t>
             </a:r>
           </a:p>
           <a:p>
-            <a:endParaRPr lang="en-US" sz="2400" dirty="0" smtClean="0">
+            <a:endParaRPr lang="en-US" sz="2400" dirty="0">
               <a:latin typeface="Trebuchet MS" panose="020B0603020202020204" pitchFamily="34" charset="0"/>
             </a:endParaRPr>
           </a:p>
           <a:p>
             <a:r>
-              <a:rPr lang="en-US" sz="2400" dirty="0" smtClean="0">
+              <a:rPr lang="en-US" sz="2400" dirty="0">
                 <a:latin typeface="Trebuchet MS" panose="020B0603020202020204" pitchFamily="34" charset="0"/>
               </a:rPr>
               <a:t>Expanded Customizable Workout Plans- Include more fitness types (e.g., yoga, </a:t>
             </a:r>
             <a:r>
-              <a:rPr lang="en-US" sz="2400" dirty="0" err="1" smtClean="0">
+              <a:rPr lang="en-US" sz="2400" dirty="0" err="1">
                 <a:latin typeface="Trebuchet MS" panose="020B0603020202020204" pitchFamily="34" charset="0"/>
               </a:rPr>
               <a:t>pilates</a:t>
             </a:r>
             <a:r>
-              <a:rPr lang="en-US" sz="2400" dirty="0" smtClean="0">
+              <a:rPr lang="en-US" sz="2400" dirty="0">
                 <a:latin typeface="Trebuchet MS" panose="020B0603020202020204" pitchFamily="34" charset="0"/>
               </a:rPr>
               <a:t>, sports-specific routines).Integrate with wearable devices for real-time activity tracking and adaptive plans.</a:t>
@@ -5497,14 +5486,11 @@
           <a:lstStyle/>
           <a:p>
             <a:r>
-              <a:rPr lang="en-IN" dirty="0" smtClean="0">
+              <a:rPr lang="en-IN" dirty="0">
                 <a:latin typeface="Trebuchet MS" panose="020B0603020202020204" pitchFamily="34" charset="0"/>
               </a:rPr>
               <a:t>Future Work</a:t>
             </a:r>
-            <a:endParaRPr lang="en-IN" dirty="0">
-              <a:latin typeface="Trebuchet MS" panose="020B0603020202020204" pitchFamily="34" charset="0"/>
-            </a:endParaRPr>
           </a:p>
         </p:txBody>
       </p:sp>
@@ -5541,13 +5527,7 @@
               <a:rPr lang="en-US" sz="2400" dirty="0">
                 <a:latin typeface="Trebuchet MS" panose="020B0603020202020204" pitchFamily="34" charset="0"/>
               </a:rPr>
-              <a:t> shopping list creation and integration with food delivery services</a:t>
-            </a:r>
-            <a:r>
-              <a:rPr lang="en-US" sz="2400" dirty="0" smtClean="0">
-                <a:latin typeface="Trebuchet MS" panose="020B0603020202020204" pitchFamily="34" charset="0"/>
-              </a:rPr>
-              <a:t>.</a:t>
+              <a:t> shopping list creation and integration with food delivery services.</a:t>
             </a:r>
           </a:p>
           <a:p>
@@ -5752,16 +5732,10 @@
           <a:lstStyle/>
           <a:p>
             <a:r>
-              <a:rPr lang="en-US" sz="1800" dirty="0" smtClean="0">
-                <a:latin typeface="Trebuchet MS" panose="020B0603020202020204" pitchFamily="34" charset="0"/>
-              </a:rPr>
-              <a:t>In </a:t>
-            </a:r>
-            <a:r>
               <a:rPr lang="en-US" sz="1800" dirty="0">
                 <a:latin typeface="Trebuchet MS" panose="020B0603020202020204" pitchFamily="34" charset="0"/>
               </a:rPr>
-              <a:t>conclusion, </a:t>
+              <a:t>In conclusion, </a:t>
             </a:r>
             <a:r>
               <a:rPr lang="en-US" sz="1800" dirty="0" err="1">
@@ -5773,33 +5747,21 @@
               <a:rPr lang="en-US" sz="1800" dirty="0">
                 <a:latin typeface="Trebuchet MS" panose="020B0603020202020204" pitchFamily="34" charset="0"/>
               </a:rPr>
-              <a:t> is a comprehensive, user-friendly app designed to empower individuals on their fitness journey. By offering personalized workout and dietary plans, along with the ability to scan food images and instantly determine calorie </a:t>
-            </a:r>
-            <a:r>
-              <a:rPr lang="en-US" sz="1800" dirty="0" smtClean="0">
-                <a:latin typeface="Trebuchet MS" panose="020B0603020202020204" pitchFamily="34" charset="0"/>
-              </a:rPr>
-              <a:t>content.</a:t>
-            </a:r>
-          </a:p>
-          <a:p>
-            <a:r>
-              <a:rPr lang="en-US" sz="1800" dirty="0" err="1" smtClean="0">
+              <a:t> is a comprehensive, user-friendly app designed to empower individuals on their fitness journey. By offering personalized workout and dietary plans, along with the ability to scan food images and instantly determine calorie content.</a:t>
+            </a:r>
+          </a:p>
+          <a:p>
+            <a:r>
+              <a:rPr lang="en-US" sz="1800" dirty="0" err="1">
                 <a:latin typeface="Trebuchet MS" panose="020B0603020202020204" pitchFamily="34" charset="0"/>
               </a:rPr>
               <a:t>HealthMate</a:t>
             </a:r>
             <a:r>
-              <a:rPr lang="en-US" sz="1800" dirty="0" smtClean="0">
-                <a:latin typeface="Trebuchet MS" panose="020B0603020202020204" pitchFamily="34" charset="0"/>
-              </a:rPr>
-              <a:t> </a:t>
-            </a:r>
-            <a:r>
               <a:rPr lang="en-US" sz="1800" dirty="0">
                 <a:latin typeface="Trebuchet MS" panose="020B0603020202020204" pitchFamily="34" charset="0"/>
               </a:rPr>
-              <a:t>provides a holistic approach to health management. With its tailored solutions, it enables users to stay on track, make informed choices, and ultimately achieve their fitness goals more efficiently</a:t>
+              <a:t> provides a holistic approach to health management. With its tailored solutions, it enables users to stay on track, make informed choices, and ultimately achieve their fitness goals more efficiently</a:t>
             </a:r>
             <a:r>
               <a:rPr lang="en-US" sz="1800">
@@ -5807,13 +5769,10 @@
               </a:rPr>
               <a:t>. </a:t>
             </a:r>
-            <a:endParaRPr lang="en-US" sz="1800" smtClean="0">
-              <a:latin typeface="Trebuchet MS" panose="020B0603020202020204" pitchFamily="34" charset="0"/>
-            </a:endParaRPr>
-          </a:p>
-          <a:p>
-            <a:r>
-              <a:rPr lang="en-US" sz="1800" smtClean="0">
+          </a:p>
+          <a:p>
+            <a:r>
+              <a:rPr lang="en-US" sz="1800">
                 <a:latin typeface="Trebuchet MS" panose="020B0603020202020204" pitchFamily="34" charset="0"/>
               </a:rPr>
               <a:t>The </a:t>
@@ -6377,10 +6336,9 @@
           <a:lstStyle/>
           <a:p>
             <a:r>
-              <a:rPr lang="en-IN" dirty="0" smtClean="0"/>
+              <a:rPr lang="en-IN" dirty="0"/>
               <a:t>      </a:t>
             </a:r>
-            <a:endParaRPr lang="en-IN" dirty="0"/>
           </a:p>
         </p:txBody>
       </p:sp>
@@ -6403,7 +6361,7 @@
               <a:buNone/>
             </a:pPr>
             <a:r>
-              <a:rPr lang="en-IN" dirty="0" smtClean="0"/>
+              <a:rPr lang="en-IN" dirty="0"/>
               <a:t>                                             </a:t>
             </a:r>
           </a:p>
@@ -6417,18 +6375,18 @@
             <a:pPr marL="0" indent="0">
               <a:buNone/>
             </a:pPr>
-            <a:endParaRPr lang="en-IN" dirty="0" smtClean="0"/>
+            <a:endParaRPr lang="en-IN" dirty="0"/>
           </a:p>
           <a:p>
             <a:pPr marL="0" indent="0">
               <a:buNone/>
             </a:pPr>
             <a:r>
-              <a:rPr lang="en-IN" dirty="0" smtClean="0"/>
+              <a:rPr lang="en-IN" dirty="0"/>
               <a:t>                                         </a:t>
             </a:r>
             <a:r>
-              <a:rPr lang="en-IN" sz="7200" dirty="0" smtClean="0"/>
+              <a:rPr lang="en-IN" sz="7200" dirty="0"/>
               <a:t>THANK YOU</a:t>
             </a:r>
           </a:p>
@@ -6743,14 +6701,14 @@
             <a:pPr marL="0" indent="0">
               <a:buNone/>
             </a:pPr>
-            <a:endParaRPr lang="en-IN" dirty="0" smtClean="0"/>
+            <a:endParaRPr lang="en-IN" dirty="0"/>
           </a:p>
           <a:p>
             <a:pPr marL="0" indent="0">
               <a:buFont typeface="Arial" panose="020B0604020202020204" pitchFamily="34" charset="0"/>
               <a:buNone/>
             </a:pPr>
-            <a:endParaRPr lang="en-IN" dirty="0" smtClean="0"/>
+            <a:endParaRPr lang="en-IN" dirty="0"/>
           </a:p>
           <a:p>
             <a:endParaRPr lang="en-IN" dirty="0"/>
@@ -6989,18 +6947,15 @@
           <a:lstStyle/>
           <a:p>
             <a:r>
-              <a:rPr lang="en-IN" sz="1800" dirty="0" smtClean="0">
+              <a:rPr lang="en-IN" sz="1800" dirty="0">
                 <a:latin typeface="Trebuchet MS" panose="020B0603020202020204" pitchFamily="34" charset="0"/>
               </a:rPr>
               <a:t>INTRODUCTION</a:t>
             </a:r>
-            <a:endParaRPr lang="en-IN" sz="1800" dirty="0">
-              <a:latin typeface="Trebuchet MS" panose="020B0603020202020204" pitchFamily="34" charset="0"/>
-            </a:endParaRPr>
-          </a:p>
-          <a:p>
-            <a:r>
-              <a:rPr lang="en-IN" sz="1800" dirty="0" smtClean="0">
+          </a:p>
+          <a:p>
+            <a:r>
+              <a:rPr lang="en-IN" sz="1800" dirty="0">
                 <a:latin typeface="Trebuchet MS" panose="020B0603020202020204" pitchFamily="34" charset="0"/>
               </a:rPr>
               <a:t>OBJECTIVES</a:t>
@@ -7008,18 +6963,15 @@
           </a:p>
           <a:p>
             <a:r>
-              <a:rPr lang="en-IN" sz="1800" dirty="0" smtClean="0">
+              <a:rPr lang="en-IN" sz="1800" dirty="0">
                 <a:latin typeface="Trebuchet MS" panose="020B0603020202020204" pitchFamily="34" charset="0"/>
               </a:rPr>
               <a:t>LITERATURE REVIEW</a:t>
             </a:r>
-            <a:endParaRPr lang="en-IN" sz="1800" dirty="0">
-              <a:latin typeface="Trebuchet MS" panose="020B0603020202020204" pitchFamily="34" charset="0"/>
-            </a:endParaRPr>
-          </a:p>
-          <a:p>
-            <a:r>
-              <a:rPr lang="en-IN" sz="1800" dirty="0" smtClean="0">
+          </a:p>
+          <a:p>
+            <a:r>
+              <a:rPr lang="en-IN" sz="1800" dirty="0">
                 <a:latin typeface="Trebuchet MS" panose="020B0603020202020204" pitchFamily="34" charset="0"/>
               </a:rPr>
               <a:t>METHODOLOGY USED</a:t>
@@ -7027,7 +6979,7 @@
           </a:p>
           <a:p>
             <a:r>
-              <a:rPr lang="en-IN" sz="1800" dirty="0" smtClean="0">
+              <a:rPr lang="en-IN" sz="1800" dirty="0">
                 <a:latin typeface="Trebuchet MS" panose="020B0603020202020204" pitchFamily="34" charset="0"/>
               </a:rPr>
               <a:t>DATA FLOW DIAGRAM</a:t>
@@ -7035,7 +6987,7 @@
           </a:p>
           <a:p>
             <a:r>
-              <a:rPr lang="en-IN" sz="1800" dirty="0" smtClean="0">
+              <a:rPr lang="en-IN" sz="1800" dirty="0">
                 <a:latin typeface="Trebuchet MS" panose="020B0603020202020204" pitchFamily="34" charset="0"/>
               </a:rPr>
               <a:t>PROGRESS &amp; RESULT</a:t>
@@ -7043,7 +6995,7 @@
           </a:p>
           <a:p>
             <a:r>
-              <a:rPr lang="en-IN" sz="1800" dirty="0" smtClean="0">
+              <a:rPr lang="en-IN" sz="1800" dirty="0">
                 <a:latin typeface="Trebuchet MS" panose="020B0603020202020204" pitchFamily="34" charset="0"/>
               </a:rPr>
               <a:t>FUTURE WORK</a:t>
@@ -7051,7 +7003,7 @@
           </a:p>
           <a:p>
             <a:r>
-              <a:rPr lang="en-IN" sz="1800" dirty="0" smtClean="0">
+              <a:rPr lang="en-IN" sz="1800" dirty="0">
                 <a:latin typeface="Trebuchet MS" panose="020B0603020202020204" pitchFamily="34" charset="0"/>
               </a:rPr>
               <a:t>CONCLUSION</a:t>
@@ -7059,14 +7011,14 @@
           </a:p>
           <a:p>
             <a:r>
-              <a:rPr lang="en-IN" sz="1800" dirty="0" smtClean="0">
+              <a:rPr lang="en-IN" sz="1800" dirty="0">
                 <a:latin typeface="Trebuchet MS" panose="020B0603020202020204" pitchFamily="34" charset="0"/>
               </a:rPr>
               <a:t>REFERENCES</a:t>
             </a:r>
           </a:p>
           <a:p>
-            <a:endParaRPr lang="en-IN" sz="1800" dirty="0" smtClean="0">
+            <a:endParaRPr lang="en-IN" sz="1800" dirty="0">
               <a:latin typeface="Trebuchet MS" panose="020B0603020202020204" pitchFamily="34" charset="0"/>
             </a:endParaRPr>
           </a:p>
@@ -7611,7 +7563,7 @@
         </p:spPr>
         <p:txBody>
           <a:bodyPr>
-            <a:normAutofit fontScale="92500" lnSpcReduction="20000"/>
+            <a:normAutofit/>
           </a:bodyPr>
           <a:lstStyle/>
           <a:p>
@@ -7648,39 +7600,6 @@
             <a:r>
               <a:rPr lang="en-US" dirty="0"/>
               <a:t>: Receive fitness recommendations based on your diet and objectives—strength training, cardio, yoga, and more.</a:t>
-            </a:r>
-          </a:p>
-          <a:p>
-            <a:pPr marL="457200" indent="-457200">
-              <a:buFont typeface="+mj-lt"/>
-              <a:buAutoNum type="arabicPeriod" startAt="3"/>
-            </a:pPr>
-            <a:endParaRPr lang="en-US" dirty="0"/>
-          </a:p>
-          <a:p>
-            <a:pPr marL="457200" indent="-457200">
-              <a:buFont typeface="+mj-lt"/>
-              <a:buAutoNum type="arabicPeriod" startAt="3"/>
-            </a:pPr>
-            <a:r>
-              <a:rPr lang="en-US" b="1" dirty="0"/>
-              <a:t>Interactive </a:t>
-            </a:r>
-            <a:r>
-              <a:rPr lang="en-US" b="1" dirty="0" err="1"/>
-              <a:t>Chatbot</a:t>
-            </a:r>
-            <a:r>
-              <a:rPr lang="en-US" b="1" dirty="0"/>
-              <a:t>, </a:t>
-            </a:r>
-            <a:r>
-              <a:rPr lang="en-US" b="1" dirty="0" err="1"/>
-              <a:t>Nutro</a:t>
-            </a:r>
-            <a:r>
-              <a:rPr lang="en-US" dirty="0"/>
-              <a:t>: Virtual assistant offering recipe ideas, health tips, and motivation, available on any device.</a:t>
             </a:r>
           </a:p>
           <a:p>
@@ -8214,58 +8133,28 @@
               <a:rPr lang="en-US" dirty="0">
                 <a:latin typeface="Trebuchet MS" panose="020B0603020202020204" pitchFamily="34" charset="0"/>
               </a:rPr>
-              <a:t>1. </a:t>
-            </a:r>
-            <a:r>
-              <a:rPr lang="en-US" dirty="0" smtClean="0">
-                <a:latin typeface="Trebuchet MS" panose="020B0603020202020204" pitchFamily="34" charset="0"/>
-              </a:rPr>
-              <a:t>Health </a:t>
-            </a:r>
-            <a:r>
-              <a:rPr lang="en-US" dirty="0">
-                <a:latin typeface="Trebuchet MS" panose="020B0603020202020204" pitchFamily="34" charset="0"/>
-              </a:rPr>
-              <a:t>Applications and Dietary Management: </a:t>
-            </a:r>
-            <a:endParaRPr lang="en-US" dirty="0" smtClean="0">
+              <a:t>1. Health Applications and Dietary Management: </a:t>
+            </a:r>
+          </a:p>
+          <a:p>
+            <a:endParaRPr lang="en-US" dirty="0">
               <a:latin typeface="Trebuchet MS" panose="020B0603020202020204" pitchFamily="34" charset="0"/>
             </a:endParaRPr>
           </a:p>
           <a:p>
-            <a:endParaRPr lang="en-US" dirty="0" smtClean="0">
-              <a:latin typeface="Trebuchet MS" panose="020B0603020202020204" pitchFamily="34" charset="0"/>
-            </a:endParaRPr>
-          </a:p>
-          <a:p>
-            <a:r>
-              <a:rPr lang="en-US" sz="1800" dirty="0" smtClean="0">
-                <a:latin typeface="Trebuchet MS" panose="020B0603020202020204" pitchFamily="34" charset="0"/>
-              </a:rPr>
-              <a:t> </a:t>
-            </a:r>
             <a:r>
               <a:rPr lang="en-US" sz="1800" dirty="0">
                 <a:latin typeface="Trebuchet MS" panose="020B0603020202020204" pitchFamily="34" charset="0"/>
               </a:rPr>
-              <a:t>Food Tracking and Self-Monitoring: Numerous studies have highlighted the effectiveness of food tracking apps in promoting weight loss and improved dietary habits. Research by Carter et al. (2013) demonstrated that self-monitoring, particularly through mobile apps, significantly increases awareness of food intake and facilitates behavior change.   </a:t>
-            </a:r>
-            <a:endParaRPr lang="en-US" sz="1800" dirty="0" smtClean="0">
-              <a:latin typeface="Trebuchet MS" panose="020B0603020202020204" pitchFamily="34" charset="0"/>
-            </a:endParaRPr>
-          </a:p>
-          <a:p>
-            <a:r>
-              <a:rPr lang="en-US" sz="1800" dirty="0" smtClean="0">
-                <a:latin typeface="Trebuchet MS" panose="020B0603020202020204" pitchFamily="34" charset="0"/>
-              </a:rPr>
-              <a:t> </a:t>
-            </a:r>
+              <a:t> Food Tracking and Self-Monitoring: Numerous studies have highlighted the effectiveness of food tracking apps in promoting weight loss and improved dietary habits. Research by Carter et al. (2013) demonstrated that self-monitoring, particularly through mobile apps, significantly increases awareness of food intake and facilitates behavior change.   </a:t>
+            </a:r>
+          </a:p>
+          <a:p>
             <a:r>
               <a:rPr lang="en-US" sz="1800" dirty="0">
                 <a:latin typeface="Trebuchet MS" panose="020B0603020202020204" pitchFamily="34" charset="0"/>
               </a:rPr>
-              <a:t>Citation: Carter, M. C., Burley, V. J., </a:t>
+              <a:t> Citation: Carter, M. C., Burley, V. J., </a:t>
             </a:r>
             <a:r>
               <a:rPr lang="en-US" sz="1800" dirty="0" err="1">
@@ -8454,18 +8343,15 @@
           <a:lstStyle/>
           <a:p>
             <a:r>
-              <a:rPr lang="en-IN" sz="2800" b="1" dirty="0" smtClean="0"/>
+              <a:rPr lang="en-IN" sz="2800" b="1" dirty="0"/>
               <a:t>2.   </a:t>
             </a:r>
             <a:r>
-              <a:rPr lang="en-IN" sz="2800" b="1" dirty="0" smtClean="0">
+              <a:rPr lang="en-IN" sz="2800" b="1" dirty="0">
                 <a:latin typeface="Trebuchet MS" panose="020B0603020202020204" pitchFamily="34" charset="0"/>
               </a:rPr>
               <a:t>Personalized Dietary Recommendations</a:t>
             </a:r>
-            <a:endParaRPr lang="en-IN" sz="2800" b="1" dirty="0">
-              <a:latin typeface="Trebuchet MS" panose="020B0603020202020204" pitchFamily="34" charset="0"/>
-            </a:endParaRPr>
           </a:p>
         </p:txBody>
       </p:sp>
@@ -8486,12 +8372,8 @@
           <a:p>
             <a:pPr lvl="1"/>
             <a:r>
-              <a:rPr lang="en-US" dirty="0" smtClean="0"/>
-              <a:t> </a:t>
-            </a:r>
-            <a:r>
               <a:rPr lang="en-US" dirty="0"/>
-              <a:t>The ability to provide personalized dietary recommendations based on individual needs and preferences is crucial for long-term adherence. Research by </a:t>
+              <a:t> The ability to provide personalized dietary recommendations based on individual needs and preferences is crucial for long-term adherence. Research by </a:t>
             </a:r>
             <a:r>
               <a:rPr lang="en-US" dirty="0" err="1"/>
@@ -8499,25 +8381,17 @@
             </a:r>
             <a:r>
               <a:rPr lang="en-US" dirty="0"/>
-              <a:t> et al. (2019) emphasizes the importance of tailoring dietary interventions to individual characteristics, such as genetics, lifestyle, and health conditions</a:t>
-            </a:r>
-            <a:r>
-              <a:rPr lang="en-US" dirty="0" smtClean="0"/>
-              <a:t>.</a:t>
-            </a:r>
-          </a:p>
-          <a:p>
-            <a:endParaRPr lang="en-US" dirty="0" smtClean="0"/>
+              <a:t> et al. (2019) emphasizes the importance of tailoring dietary interventions to individual characteristics, such as genetics, lifestyle, and health conditions.</a:t>
+            </a:r>
+          </a:p>
+          <a:p>
+            <a:endParaRPr lang="en-US" dirty="0"/>
           </a:p>
           <a:p>
             <a:pPr lvl="1"/>
             <a:r>
-              <a:rPr lang="en-US" dirty="0" smtClean="0"/>
-              <a:t> Citation</a:t>
-            </a:r>
-            <a:r>
               <a:rPr lang="en-US" dirty="0"/>
-              <a:t>: </a:t>
+              <a:t> Citation: </a:t>
             </a:r>
             <a:r>
               <a:rPr lang="en-US" dirty="0" err="1"/>
@@ -8603,19 +8477,7 @@
               <a:rPr lang="en-US" sz="2800" dirty="0">
                 <a:latin typeface="Trebuchet MS" panose="020B0603020202020204" pitchFamily="34" charset="0"/>
               </a:rPr>
-              <a:t>3</a:t>
-            </a:r>
-            <a:r>
-              <a:rPr lang="en-US" sz="2800" dirty="0" smtClean="0">
-                <a:latin typeface="Trebuchet MS" panose="020B0603020202020204" pitchFamily="34" charset="0"/>
-              </a:rPr>
-              <a:t>. </a:t>
-            </a:r>
-            <a:r>
-              <a:rPr lang="en-US" sz="2800" dirty="0">
-                <a:latin typeface="Trebuchet MS" panose="020B0603020202020204" pitchFamily="34" charset="0"/>
-              </a:rPr>
-              <a:t>Artificial Intelligence in Health Interventions</a:t>
+              <a:t>3. Artificial Intelligence in Health Interventions</a:t>
             </a:r>
             <a:endParaRPr lang="en-IN" sz="2800" dirty="0">
               <a:latin typeface="Trebuchet MS" panose="020B0603020202020204" pitchFamily="34" charset="0"/>
@@ -8640,26 +8502,18 @@
           <a:p>
             <a:pPr lvl="1"/>
             <a:r>
-              <a:rPr lang="en-US" dirty="0" smtClean="0"/>
-              <a:t> </a:t>
-            </a:r>
-            <a:r>
               <a:rPr lang="en-US" dirty="0"/>
-              <a:t>Personalization and Adaptation: AI algorithms can analyze user data to provide personalized recommendations and adapt interventions based on individual progress and preferences. Research by Kumar et al. (2019) highlights the potential of AI in tailoring health interventions to enhance user engagement and adherence.   </a:t>
-            </a:r>
-          </a:p>
-          <a:p>
-            <a:endParaRPr lang="en-US" dirty="0" smtClean="0"/>
+              <a:t> Personalization and Adaptation: AI algorithms can analyze user data to provide personalized recommendations and adapt interventions based on individual progress and preferences. Research by Kumar et al. (2019) highlights the potential of AI in tailoring health interventions to enhance user engagement and adherence.   </a:t>
+            </a:r>
+          </a:p>
+          <a:p>
+            <a:endParaRPr lang="en-US" dirty="0"/>
           </a:p>
           <a:p>
             <a:pPr lvl="1"/>
             <a:r>
-              <a:rPr lang="en-US" dirty="0" smtClean="0"/>
-              <a:t>Citation</a:t>
-            </a:r>
-            <a:r>
               <a:rPr lang="en-US" dirty="0"/>
-              <a:t>: Kumar, S., Nilsen, W. J., Abernethy, A., Atienza, A., Patrick, K., Pavel, M., ... &amp; </a:t>
+              <a:t>Citation: Kumar, S., Nilsen, W. J., Abernethy, A., Atienza, A., Patrick, K., Pavel, M., ... &amp; </a:t>
             </a:r>
             <a:r>
               <a:rPr lang="en-US" dirty="0" err="1"/>
@@ -8845,111 +8699,73 @@
               <a:buNone/>
             </a:pPr>
             <a:r>
-              <a:rPr lang="en-IN" sz="1800" b="1" dirty="0" smtClean="0"/>
+              <a:rPr lang="en-IN" sz="1800" b="1" dirty="0"/>
               <a:t>1. Objectives</a:t>
             </a:r>
-            <a:endParaRPr lang="en-IN" sz="1800" b="1" dirty="0"/>
           </a:p>
           <a:p>
             <a:pPr marL="0" indent="0">
               <a:buNone/>
             </a:pPr>
             <a:r>
-              <a:rPr lang="en-IN" sz="1800" dirty="0" smtClean="0"/>
+              <a:rPr lang="en-IN" sz="1800" dirty="0"/>
               <a:t> </a:t>
             </a:r>
             <a:r>
-              <a:rPr lang="en-IN" sz="1800" b="1" dirty="0" smtClean="0"/>
+              <a:rPr lang="en-IN" sz="1800" b="1" dirty="0"/>
               <a:t>Nutritional Analysis</a:t>
             </a:r>
             <a:r>
-              <a:rPr lang="en-IN" sz="1800" dirty="0" smtClean="0"/>
+              <a:rPr lang="en-IN" sz="1800" dirty="0"/>
               <a:t> – AI-powered food recognition for instant calorie &amp; nutrient insights.</a:t>
             </a:r>
             <a:br>
-              <a:rPr lang="en-IN" sz="1800" dirty="0" smtClean="0"/>
+              <a:rPr lang="en-IN" sz="1800" dirty="0"/>
             </a:br>
             <a:r>
-              <a:rPr lang="en-IN" sz="1800" dirty="0" smtClean="0"/>
+              <a:rPr lang="en-IN" sz="1800" dirty="0"/>
               <a:t> </a:t>
             </a:r>
             <a:r>
-              <a:rPr lang="en-IN" sz="1800" b="1" dirty="0" smtClean="0"/>
+              <a:rPr lang="en-IN" sz="1800" b="1" dirty="0"/>
               <a:t>Personalized Food Tracking</a:t>
             </a:r>
             <a:r>
-              <a:rPr lang="en-IN" sz="1800" dirty="0" smtClean="0"/>
+              <a:rPr lang="en-IN" sz="1800" dirty="0"/>
               <a:t> – Smart logging with adaptive ML-based recommendations.</a:t>
             </a:r>
             <a:br>
-              <a:rPr lang="en-IN" sz="1800" dirty="0" smtClean="0"/>
+              <a:rPr lang="en-IN" sz="1800" dirty="0"/>
             </a:br>
             <a:r>
-              <a:rPr lang="en-IN" sz="1800" dirty="0" smtClean="0"/>
+              <a:rPr lang="en-IN" sz="1800" dirty="0"/>
               <a:t> </a:t>
             </a:r>
             <a:r>
-              <a:rPr lang="en-IN" sz="1800" b="1" dirty="0" smtClean="0"/>
+              <a:rPr lang="en-IN" sz="1800" b="1" dirty="0"/>
               <a:t>Workout Recommendations</a:t>
             </a:r>
             <a:r>
-              <a:rPr lang="en-IN" sz="1800" dirty="0" smtClean="0"/>
+              <a:rPr lang="en-IN" sz="1800" dirty="0"/>
               <a:t> – Tailored fitness plans aligned with dietary intake.</a:t>
             </a:r>
-            <a:br>
-              <a:rPr lang="en-IN" sz="1800" dirty="0" smtClean="0"/>
-            </a:br>
-            <a:r>
-              <a:rPr lang="en-IN" sz="1800" dirty="0" smtClean="0"/>
-              <a:t> </a:t>
-            </a:r>
-            <a:r>
-              <a:rPr lang="en-IN" sz="1800" b="1" dirty="0" smtClean="0"/>
-              <a:t>Interactive </a:t>
-            </a:r>
-            <a:r>
-              <a:rPr lang="en-IN" sz="1800" b="1" dirty="0" err="1" smtClean="0"/>
-              <a:t>Chatbot</a:t>
-            </a:r>
-            <a:r>
-              <a:rPr lang="en-IN" sz="1800" b="1" dirty="0" smtClean="0"/>
-              <a:t> (</a:t>
-            </a:r>
-            <a:r>
-              <a:rPr lang="en-IN" sz="1800" b="1" dirty="0" err="1" smtClean="0"/>
-              <a:t>Nutro</a:t>
-            </a:r>
-            <a:r>
-              <a:rPr lang="en-IN" sz="1800" b="1" dirty="0" smtClean="0"/>
-              <a:t>)</a:t>
-            </a:r>
-            <a:r>
-              <a:rPr lang="en-IN" sz="1800" dirty="0" smtClean="0"/>
-              <a:t> – Engaging AI assistant for advice &amp; motivation.</a:t>
-            </a:r>
-            <a:endParaRPr lang="en-IN" sz="1800" dirty="0"/>
           </a:p>
           <a:p>
             <a:pPr marL="0" indent="0">
               <a:buNone/>
             </a:pPr>
             <a:r>
-              <a:rPr lang="en-IN" sz="1800" b="1" dirty="0" smtClean="0"/>
+              <a:rPr lang="en-IN" sz="1800" b="1" dirty="0"/>
               <a:t>2. Scope</a:t>
             </a:r>
-            <a:endParaRPr lang="en-IN" sz="1800" b="1" dirty="0"/>
           </a:p>
           <a:p>
             <a:pPr marL="0" indent="0">
               <a:buNone/>
             </a:pPr>
             <a:r>
-              <a:rPr lang="en-IN" sz="1800" b="1" dirty="0" smtClean="0"/>
-              <a:t>Image </a:t>
-            </a:r>
-            <a:r>
               <a:rPr lang="en-IN" sz="1800" b="1" dirty="0"/>
-              <a:t>Processing</a:t>
+              <a:t>Image Processing</a:t>
             </a:r>
             <a:r>
               <a:rPr lang="en-IN" sz="1800" dirty="0"/>
@@ -8967,12 +8783,8 @@
               <a:rPr lang="en-IN" sz="1800" dirty="0"/>
             </a:br>
             <a:r>
-              <a:rPr lang="en-IN" sz="1800" b="1" dirty="0" smtClean="0"/>
-              <a:t>Nutritional </a:t>
-            </a:r>
-            <a:r>
               <a:rPr lang="en-IN" sz="1800" b="1" dirty="0"/>
-              <a:t>Analysis</a:t>
+              <a:t>Nutritional Analysis</a:t>
             </a:r>
             <a:r>
               <a:rPr lang="en-IN" sz="1800" dirty="0"/>
@@ -8982,12 +8794,8 @@
               <a:rPr lang="en-IN" sz="1800" dirty="0"/>
             </a:br>
             <a:r>
-              <a:rPr lang="en-IN" sz="1800" b="1" dirty="0" smtClean="0"/>
-              <a:t>Machine </a:t>
-            </a:r>
-            <a:r>
               <a:rPr lang="en-IN" sz="1800" b="1" dirty="0"/>
-              <a:t>Learning</a:t>
+              <a:t>Machine Learning</a:t>
             </a:r>
             <a:r>
               <a:rPr lang="en-IN" sz="1800" dirty="0"/>
@@ -8997,12 +8805,8 @@
               <a:rPr lang="en-IN" sz="1800" dirty="0"/>
             </a:br>
             <a:r>
-              <a:rPr lang="en-IN" sz="1800" b="1" dirty="0" smtClean="0"/>
-              <a:t>Workout </a:t>
-            </a:r>
-            <a:r>
               <a:rPr lang="en-IN" sz="1800" b="1" dirty="0"/>
-              <a:t>Planning</a:t>
+              <a:t>Workout Planning</a:t>
             </a:r>
             <a:r>
               <a:rPr lang="en-IN" sz="1800" dirty="0"/>
